--- a/documentum/건축심화세미나(2022)/최종발표/4. 동적문서를 활용한 구조프로그램 작성 - 장만규 매니저, 황재승 매니저/추가발표자료.pptx
+++ b/documentum/건축심화세미나(2022)/최종발표/4. 동적문서를 활용한 구조프로그램 작성 - 장만규 매니저, 황재승 매니저/추가발표자료.pptx
@@ -44,6 +44,13 @@
     <p:sldId id="293" r:id="rId38"/>
     <p:sldId id="294" r:id="rId39"/>
     <p:sldId id="295" r:id="rId40"/>
+    <p:sldId id="297" r:id="rId41"/>
+    <p:sldId id="298" r:id="rId42"/>
+    <p:sldId id="299" r:id="rId43"/>
+    <p:sldId id="300" r:id="rId44"/>
+    <p:sldId id="301" r:id="rId45"/>
+    <p:sldId id="302" r:id="rId46"/>
+    <p:sldId id="296" r:id="rId47"/>
   </p:sldIdLst>
   <p:sldSz cx="12192000" cy="6858000"/>
   <p:notesSz cx="6858000" cy="9144000"/>
@@ -142,6 +149,11 @@
       </a:defRPr>
     </a:lvl9pPr>
   </p:defaultTextStyle>
+  <p:extLst>
+    <p:ext uri="{EFAFB233-063F-42B5-8137-9DF3F51BA10A}">
+      <p15:sldGuideLst xmlns:p15="http://schemas.microsoft.com/office/powerpoint/2012/main"/>
+    </p:ext>
+  </p:extLst>
 </p:presentation>
 </file>
 
@@ -276,7 +288,7 @@
           <a:p>
             <a:fld id="{9D75D61A-B957-4D33-A9F3-3984F00EC9FA}" type="datetimeFigureOut">
               <a:rPr lang="ko-KR" altLang="en-US" smtClean="0"/>
-              <a:t>2022-10-21</a:t>
+              <a:t>2022-11-16</a:t>
             </a:fld>
             <a:endParaRPr lang="ko-KR" altLang="en-US"/>
           </a:p>
@@ -446,7 +458,7 @@
           <a:p>
             <a:fld id="{9D75D61A-B957-4D33-A9F3-3984F00EC9FA}" type="datetimeFigureOut">
               <a:rPr lang="ko-KR" altLang="en-US" smtClean="0"/>
-              <a:t>2022-10-21</a:t>
+              <a:t>2022-11-16</a:t>
             </a:fld>
             <a:endParaRPr lang="ko-KR" altLang="en-US"/>
           </a:p>
@@ -626,7 +638,7 @@
           <a:p>
             <a:fld id="{9D75D61A-B957-4D33-A9F3-3984F00EC9FA}" type="datetimeFigureOut">
               <a:rPr lang="ko-KR" altLang="en-US" smtClean="0"/>
-              <a:t>2022-10-21</a:t>
+              <a:t>2022-11-16</a:t>
             </a:fld>
             <a:endParaRPr lang="ko-KR" altLang="en-US"/>
           </a:p>
@@ -796,7 +808,7 @@
           <a:p>
             <a:fld id="{9D75D61A-B957-4D33-A9F3-3984F00EC9FA}" type="datetimeFigureOut">
               <a:rPr lang="ko-KR" altLang="en-US" smtClean="0"/>
-              <a:t>2022-10-21</a:t>
+              <a:t>2022-11-16</a:t>
             </a:fld>
             <a:endParaRPr lang="ko-KR" altLang="en-US"/>
           </a:p>
@@ -1042,7 +1054,7 @@
           <a:p>
             <a:fld id="{9D75D61A-B957-4D33-A9F3-3984F00EC9FA}" type="datetimeFigureOut">
               <a:rPr lang="ko-KR" altLang="en-US" smtClean="0"/>
-              <a:t>2022-10-21</a:t>
+              <a:t>2022-11-16</a:t>
             </a:fld>
             <a:endParaRPr lang="ko-KR" altLang="en-US"/>
           </a:p>
@@ -1274,7 +1286,7 @@
           <a:p>
             <a:fld id="{9D75D61A-B957-4D33-A9F3-3984F00EC9FA}" type="datetimeFigureOut">
               <a:rPr lang="ko-KR" altLang="en-US" smtClean="0"/>
-              <a:t>2022-10-21</a:t>
+              <a:t>2022-11-16</a:t>
             </a:fld>
             <a:endParaRPr lang="ko-KR" altLang="en-US"/>
           </a:p>
@@ -1641,7 +1653,7 @@
           <a:p>
             <a:fld id="{9D75D61A-B957-4D33-A9F3-3984F00EC9FA}" type="datetimeFigureOut">
               <a:rPr lang="ko-KR" altLang="en-US" smtClean="0"/>
-              <a:t>2022-10-21</a:t>
+              <a:t>2022-11-16</a:t>
             </a:fld>
             <a:endParaRPr lang="ko-KR" altLang="en-US"/>
           </a:p>
@@ -1759,7 +1771,7 @@
           <a:p>
             <a:fld id="{9D75D61A-B957-4D33-A9F3-3984F00EC9FA}" type="datetimeFigureOut">
               <a:rPr lang="ko-KR" altLang="en-US" smtClean="0"/>
-              <a:t>2022-10-21</a:t>
+              <a:t>2022-11-16</a:t>
             </a:fld>
             <a:endParaRPr lang="ko-KR" altLang="en-US"/>
           </a:p>
@@ -1854,7 +1866,7 @@
           <a:p>
             <a:fld id="{9D75D61A-B957-4D33-A9F3-3984F00EC9FA}" type="datetimeFigureOut">
               <a:rPr lang="ko-KR" altLang="en-US" smtClean="0"/>
-              <a:t>2022-10-21</a:t>
+              <a:t>2022-11-16</a:t>
             </a:fld>
             <a:endParaRPr lang="ko-KR" altLang="en-US"/>
           </a:p>
@@ -2131,7 +2143,7 @@
           <a:p>
             <a:fld id="{9D75D61A-B957-4D33-A9F3-3984F00EC9FA}" type="datetimeFigureOut">
               <a:rPr lang="ko-KR" altLang="en-US" smtClean="0"/>
-              <a:t>2022-10-21</a:t>
+              <a:t>2022-11-16</a:t>
             </a:fld>
             <a:endParaRPr lang="ko-KR" altLang="en-US"/>
           </a:p>
@@ -2384,7 +2396,7 @@
           <a:p>
             <a:fld id="{9D75D61A-B957-4D33-A9F3-3984F00EC9FA}" type="datetimeFigureOut">
               <a:rPr lang="ko-KR" altLang="en-US" smtClean="0"/>
-              <a:t>2022-10-21</a:t>
+              <a:t>2022-11-16</a:t>
             </a:fld>
             <a:endParaRPr lang="ko-KR" altLang="en-US"/>
           </a:p>
@@ -2597,7 +2609,7 @@
           <a:p>
             <a:fld id="{9D75D61A-B957-4D33-A9F3-3984F00EC9FA}" type="datetimeFigureOut">
               <a:rPr lang="ko-KR" altLang="en-US" smtClean="0"/>
-              <a:t>2022-10-21</a:t>
+              <a:t>2022-11-16</a:t>
             </a:fld>
             <a:endParaRPr lang="ko-KR" altLang="en-US"/>
           </a:p>
@@ -3026,7 +3038,7 @@
           <a:p>
             <a:pPr algn="ctr"/>
             <a:r>
-              <a:rPr lang="ko-KR" altLang="en-US" sz="4000" dirty="0" smtClean="0">
+              <a:rPr lang="ko-KR" altLang="en-US" sz="3600" dirty="0" smtClean="0">
                 <a:solidFill>
                   <a:srgbClr val="FF33CC"/>
                 </a:solidFill>
@@ -3036,14 +3048,14 @@
               <a:t>애자일 프로세스</a:t>
             </a:r>
             <a:r>
-              <a:rPr lang="en-US" altLang="ko-KR" sz="4000" dirty="0" smtClean="0">
+              <a:rPr lang="en-US" altLang="ko-KR" sz="3600" dirty="0" smtClean="0">
                 <a:latin typeface="리디바탕" panose="020B0600000101010101" pitchFamily="34" charset="-127"/>
                 <a:ea typeface="리디바탕" panose="020B0600000101010101" pitchFamily="34" charset="-127"/>
               </a:rPr>
               <a:t>, </a:t>
             </a:r>
             <a:r>
-              <a:rPr lang="en-US" altLang="ko-KR" sz="4000" dirty="0" smtClean="0">
+              <a:rPr lang="en-US" altLang="ko-KR" sz="3600" dirty="0" smtClean="0">
                 <a:solidFill>
                   <a:srgbClr val="00CC66"/>
                 </a:solidFill>
@@ -3053,30 +3065,57 @@
               <a:t>REPL</a:t>
             </a:r>
             <a:r>
-              <a:rPr lang="en-US" altLang="ko-KR" sz="4000" dirty="0" smtClean="0">
+              <a:rPr lang="en-US" altLang="ko-KR" sz="3600" dirty="0" smtClean="0">
                 <a:latin typeface="리디바탕" panose="020B0600000101010101" pitchFamily="34" charset="-127"/>
                 <a:ea typeface="리디바탕" panose="020B0600000101010101" pitchFamily="34" charset="-127"/>
               </a:rPr>
               <a:t> </a:t>
             </a:r>
             <a:r>
+              <a:rPr lang="ko-KR" altLang="en-US" sz="3600" dirty="0" smtClean="0">
+                <a:latin typeface="리디바탕" panose="020B0600000101010101" pitchFamily="34" charset="-127"/>
+                <a:ea typeface="리디바탕" panose="020B0600000101010101" pitchFamily="34" charset="-127"/>
+              </a:rPr>
+              <a:t>그리고</a:t>
+            </a:r>
+            <a:r>
               <a:rPr lang="ko-KR" altLang="en-US" sz="4000" dirty="0" smtClean="0">
                 <a:latin typeface="리디바탕" panose="020B0600000101010101" pitchFamily="34" charset="-127"/>
                 <a:ea typeface="리디바탕" panose="020B0600000101010101" pitchFamily="34" charset="-127"/>
               </a:rPr>
-              <a:t>그리고 </a:t>
-            </a:r>
-            <a:r>
-              <a:rPr lang="ko-KR" altLang="en-US" sz="4000" dirty="0" smtClean="0">
+              <a:t> </a:t>
+            </a:r>
+            <a:r>
+              <a:rPr lang="en-US" altLang="ko-KR" sz="3200" dirty="0" smtClean="0">
                 <a:solidFill>
                   <a:srgbClr val="0000FF"/>
                 </a:solidFill>
                 <a:latin typeface="리디바탕" panose="020B0600000101010101" pitchFamily="34" charset="-127"/>
                 <a:ea typeface="리디바탕" panose="020B0600000101010101" pitchFamily="34" charset="-127"/>
               </a:rPr>
-              <a:t>함수형 프로그래밍</a:t>
-            </a:r>
-            <a:endParaRPr lang="ko-KR" altLang="en-US" sz="4000" dirty="0">
+              <a:t>Dynamo </a:t>
+            </a:r>
+            <a:r>
+              <a:rPr lang="ko-KR" altLang="en-US" sz="3200" dirty="0" smtClean="0">
+                <a:solidFill>
+                  <a:srgbClr val="0000FF"/>
+                </a:solidFill>
+                <a:latin typeface="리디바탕" panose="020B0600000101010101" pitchFamily="34" charset="-127"/>
+                <a:ea typeface="리디바탕" panose="020B0600000101010101" pitchFamily="34" charset="-127"/>
+              </a:rPr>
+              <a:t>혹은 </a:t>
+            </a:r>
+            <a:r>
+              <a:rPr lang="en-US" altLang="ko-KR" sz="3200" dirty="0" smtClean="0">
+                <a:solidFill>
+                  <a:srgbClr val="0000FF"/>
+                </a:solidFill>
+                <a:latin typeface="리디바탕" panose="020B0600000101010101" pitchFamily="34" charset="-127"/>
+                <a:ea typeface="리디바탕" panose="020B0600000101010101" pitchFamily="34" charset="-127"/>
+              </a:rPr>
+              <a:t>Python</a:t>
+            </a:r>
+            <a:endParaRPr lang="ko-KR" altLang="en-US" sz="3200" dirty="0">
               <a:solidFill>
                 <a:srgbClr val="0000FF"/>
               </a:solidFill>
@@ -6535,6 +6574,9 @@
             </a:r>
             <a:r>
               <a:rPr lang="ko-KR" altLang="en-US" dirty="0" smtClean="0">
+                <a:solidFill>
+                  <a:srgbClr val="FF0000"/>
+                </a:solidFill>
                 <a:latin typeface="리디바탕" panose="020B0600000101010101" pitchFamily="34" charset="-127"/>
                 <a:ea typeface="리디바탕" panose="020B0600000101010101" pitchFamily="34" charset="-127"/>
               </a:rPr>
@@ -6694,7 +6736,24 @@
                 <a:latin typeface="리디바탕" panose="020B0600000101010101" pitchFamily="34" charset="-127"/>
                 <a:ea typeface="리디바탕" panose="020B0600000101010101" pitchFamily="34" charset="-127"/>
               </a:rPr>
-              <a:t>실제 문제로서 모듈간의 관련을 최초부터 모두 완벽하게 간파하는 것은 곤란하다</a:t>
+              <a:t>실제 문제로서 </a:t>
+            </a:r>
+            <a:r>
+              <a:rPr lang="ko-KR" altLang="en-US" dirty="0" smtClean="0">
+                <a:solidFill>
+                  <a:srgbClr val="FF0000"/>
+                </a:solidFill>
+                <a:latin typeface="리디바탕" panose="020B0600000101010101" pitchFamily="34" charset="-127"/>
+                <a:ea typeface="리디바탕" panose="020B0600000101010101" pitchFamily="34" charset="-127"/>
+              </a:rPr>
+              <a:t>모듈간의 관련을 최초부터 모두 완벽하게 간파하는 것은 곤란</a:t>
+            </a:r>
+            <a:r>
+              <a:rPr lang="ko-KR" altLang="en-US" dirty="0" smtClean="0">
+                <a:latin typeface="리디바탕" panose="020B0600000101010101" pitchFamily="34" charset="-127"/>
+                <a:ea typeface="리디바탕" panose="020B0600000101010101" pitchFamily="34" charset="-127"/>
+              </a:rPr>
+              <a:t>하다</a:t>
             </a:r>
             <a:r>
               <a:rPr lang="en-US" altLang="ko-KR" dirty="0" smtClean="0">
@@ -9136,6 +9195,474 @@
           <a:chExt cx="0" cy="0"/>
         </a:xfrm>
       </p:grpSpPr>
+      <p:pic>
+        <p:nvPicPr>
+          <p:cNvPr id="10" name="그림 9"/>
+          <p:cNvPicPr>
+            <a:picLocks noChangeAspect="1"/>
+          </p:cNvPicPr>
+          <p:nvPr/>
+        </p:nvPicPr>
+        <p:blipFill>
+          <a:blip r:embed="rId2"/>
+          <a:stretch>
+            <a:fillRect/>
+          </a:stretch>
+        </p:blipFill>
+        <p:spPr>
+          <a:xfrm>
+            <a:off x="1018923" y="2500136"/>
+            <a:ext cx="3600953" cy="2505425"/>
+          </a:xfrm>
+          <a:prstGeom prst="rect">
+            <a:avLst/>
+          </a:prstGeom>
+        </p:spPr>
+      </p:pic>
+      <p:pic>
+        <p:nvPicPr>
+          <p:cNvPr id="3" name="그림 2"/>
+          <p:cNvPicPr>
+            <a:picLocks noChangeAspect="1"/>
+          </p:cNvPicPr>
+          <p:nvPr/>
+        </p:nvPicPr>
+        <p:blipFill>
+          <a:blip r:embed="rId3"/>
+          <a:stretch>
+            <a:fillRect/>
+          </a:stretch>
+        </p:blipFill>
+        <p:spPr>
+          <a:xfrm>
+            <a:off x="6380509" y="2142900"/>
+            <a:ext cx="4867954" cy="3219899"/>
+          </a:xfrm>
+          <a:prstGeom prst="rect">
+            <a:avLst/>
+          </a:prstGeom>
+        </p:spPr>
+      </p:pic>
+      <p:sp>
+        <p:nvSpPr>
+          <p:cNvPr id="4" name="TextBox 3"/>
+          <p:cNvSpPr txBox="1"/>
+          <p:nvPr/>
+        </p:nvSpPr>
+        <p:spPr>
+          <a:xfrm>
+            <a:off x="2619634" y="394110"/>
+            <a:ext cx="1285102" cy="400110"/>
+          </a:xfrm>
+          <a:prstGeom prst="rect">
+            <a:avLst/>
+          </a:prstGeom>
+          <a:noFill/>
+        </p:spPr>
+        <p:txBody>
+          <a:bodyPr wrap="square" rtlCol="0">
+            <a:spAutoFit/>
+          </a:bodyPr>
+          <a:lstStyle/>
+          <a:p>
+            <a:r>
+              <a:rPr lang="en-US" altLang="ko-KR" sz="2000" dirty="0" smtClean="0">
+                <a:latin typeface="리디바탕" panose="020B0600000101010101" pitchFamily="34" charset="-127"/>
+                <a:ea typeface="리디바탕" panose="020B0600000101010101" pitchFamily="34" charset="-127"/>
+              </a:rPr>
+              <a:t>Excel</a:t>
+            </a:r>
+            <a:endParaRPr lang="ko-KR" altLang="en-US" sz="2000" dirty="0">
+              <a:latin typeface="리디바탕" panose="020B0600000101010101" pitchFamily="34" charset="-127"/>
+              <a:ea typeface="리디바탕" panose="020B0600000101010101" pitchFamily="34" charset="-127"/>
+            </a:endParaRPr>
+          </a:p>
+        </p:txBody>
+      </p:sp>
+      <p:sp>
+        <p:nvSpPr>
+          <p:cNvPr id="5" name="TextBox 4"/>
+          <p:cNvSpPr txBox="1"/>
+          <p:nvPr/>
+        </p:nvSpPr>
+        <p:spPr>
+          <a:xfrm>
+            <a:off x="8171935" y="394110"/>
+            <a:ext cx="1285102" cy="400110"/>
+          </a:xfrm>
+          <a:prstGeom prst="rect">
+            <a:avLst/>
+          </a:prstGeom>
+          <a:noFill/>
+        </p:spPr>
+        <p:txBody>
+          <a:bodyPr wrap="square" rtlCol="0">
+            <a:spAutoFit/>
+          </a:bodyPr>
+          <a:lstStyle/>
+          <a:p>
+            <a:r>
+              <a:rPr lang="en-US" altLang="ko-KR" sz="2000" dirty="0" smtClean="0">
+                <a:latin typeface="리디바탕" panose="020B0600000101010101" pitchFamily="34" charset="-127"/>
+                <a:ea typeface="리디바탕" panose="020B0600000101010101" pitchFamily="34" charset="-127"/>
+              </a:rPr>
+              <a:t>Dynamo</a:t>
+            </a:r>
+            <a:endParaRPr lang="ko-KR" altLang="en-US" sz="2000" dirty="0">
+              <a:latin typeface="리디바탕" panose="020B0600000101010101" pitchFamily="34" charset="-127"/>
+              <a:ea typeface="리디바탕" panose="020B0600000101010101" pitchFamily="34" charset="-127"/>
+            </a:endParaRPr>
+          </a:p>
+        </p:txBody>
+      </p:sp>
+      <p:sp>
+        <p:nvSpPr>
+          <p:cNvPr id="6" name="TextBox 5"/>
+          <p:cNvSpPr txBox="1"/>
+          <p:nvPr/>
+        </p:nvSpPr>
+        <p:spPr>
+          <a:xfrm>
+            <a:off x="5391409" y="965346"/>
+            <a:ext cx="1285102" cy="369332"/>
+          </a:xfrm>
+          <a:prstGeom prst="rect">
+            <a:avLst/>
+          </a:prstGeom>
+          <a:noFill/>
+        </p:spPr>
+        <p:txBody>
+          <a:bodyPr wrap="square" rtlCol="0">
+            <a:spAutoFit/>
+          </a:bodyPr>
+          <a:lstStyle/>
+          <a:p>
+            <a:r>
+              <a:rPr lang="en-US" altLang="ko-KR" dirty="0" smtClean="0">
+                <a:latin typeface="리디바탕" panose="020B0600000101010101" pitchFamily="34" charset="-127"/>
+                <a:ea typeface="리디바탕" panose="020B0600000101010101" pitchFamily="34" charset="-127"/>
+              </a:rPr>
+              <a:t>&lt; add &gt;</a:t>
+            </a:r>
+            <a:endParaRPr lang="ko-KR" altLang="en-US" dirty="0">
+              <a:latin typeface="리디바탕" panose="020B0600000101010101" pitchFamily="34" charset="-127"/>
+              <a:ea typeface="리디바탕" panose="020B0600000101010101" pitchFamily="34" charset="-127"/>
+            </a:endParaRPr>
+          </a:p>
+        </p:txBody>
+      </p:sp>
+      <p:sp>
+        <p:nvSpPr>
+          <p:cNvPr id="8" name="TextBox 7"/>
+          <p:cNvSpPr txBox="1"/>
+          <p:nvPr/>
+        </p:nvSpPr>
+        <p:spPr>
+          <a:xfrm>
+            <a:off x="2106352" y="4048125"/>
+            <a:ext cx="704039" cy="307777"/>
+          </a:xfrm>
+          <a:prstGeom prst="rect">
+            <a:avLst/>
+          </a:prstGeom>
+          <a:noFill/>
+        </p:spPr>
+        <p:txBody>
+          <a:bodyPr wrap="none" rtlCol="0">
+            <a:spAutoFit/>
+          </a:bodyPr>
+          <a:lstStyle/>
+          <a:p>
+            <a:r>
+              <a:rPr lang="en-US" altLang="ko-KR" sz="1400" dirty="0" smtClean="0">
+                <a:solidFill>
+                  <a:srgbClr val="0000FF"/>
+                </a:solidFill>
+                <a:latin typeface="리디바탕" panose="020B0600000101010101" pitchFamily="34" charset="-127"/>
+                <a:ea typeface="리디바탕" panose="020B0600000101010101" pitchFamily="34" charset="-127"/>
+              </a:rPr>
+              <a:t>1. </a:t>
+            </a:r>
+            <a:r>
+              <a:rPr lang="ko-KR" altLang="en-US" sz="1400" dirty="0" smtClean="0">
+                <a:solidFill>
+                  <a:srgbClr val="0000FF"/>
+                </a:solidFill>
+                <a:latin typeface="리디바탕" panose="020B0600000101010101" pitchFamily="34" charset="-127"/>
+                <a:ea typeface="리디바탕" panose="020B0600000101010101" pitchFamily="34" charset="-127"/>
+              </a:rPr>
+              <a:t>입력</a:t>
+            </a:r>
+            <a:endParaRPr lang="ko-KR" altLang="en-US" sz="1400" dirty="0">
+              <a:solidFill>
+                <a:srgbClr val="0000FF"/>
+              </a:solidFill>
+              <a:latin typeface="리디바탕" panose="020B0600000101010101" pitchFamily="34" charset="-127"/>
+              <a:ea typeface="리디바탕" panose="020B0600000101010101" pitchFamily="34" charset="-127"/>
+            </a:endParaRPr>
+          </a:p>
+        </p:txBody>
+      </p:sp>
+      <p:sp>
+        <p:nvSpPr>
+          <p:cNvPr id="9" name="TextBox 8"/>
+          <p:cNvSpPr txBox="1"/>
+          <p:nvPr/>
+        </p:nvSpPr>
+        <p:spPr>
+          <a:xfrm>
+            <a:off x="3791209" y="2831226"/>
+            <a:ext cx="712054" cy="307777"/>
+          </a:xfrm>
+          <a:prstGeom prst="rect">
+            <a:avLst/>
+          </a:prstGeom>
+          <a:noFill/>
+        </p:spPr>
+        <p:txBody>
+          <a:bodyPr wrap="none" rtlCol="0">
+            <a:spAutoFit/>
+          </a:bodyPr>
+          <a:lstStyle/>
+          <a:p>
+            <a:r>
+              <a:rPr lang="en-US" altLang="ko-KR" sz="1400" dirty="0" smtClean="0">
+                <a:solidFill>
+                  <a:srgbClr val="FF0000"/>
+                </a:solidFill>
+                <a:latin typeface="리디바탕" panose="020B0600000101010101" pitchFamily="34" charset="-127"/>
+                <a:ea typeface="리디바탕" panose="020B0600000101010101" pitchFamily="34" charset="-127"/>
+              </a:rPr>
+              <a:t>2. </a:t>
+            </a:r>
+            <a:r>
+              <a:rPr lang="ko-KR" altLang="en-US" sz="1400" dirty="0" smtClean="0">
+                <a:solidFill>
+                  <a:srgbClr val="FF0000"/>
+                </a:solidFill>
+                <a:latin typeface="리디바탕" panose="020B0600000101010101" pitchFamily="34" charset="-127"/>
+                <a:ea typeface="리디바탕" panose="020B0600000101010101" pitchFamily="34" charset="-127"/>
+              </a:rPr>
+              <a:t>연산</a:t>
+            </a:r>
+            <a:endParaRPr lang="ko-KR" altLang="en-US" sz="1400" dirty="0">
+              <a:solidFill>
+                <a:srgbClr val="FF0000"/>
+              </a:solidFill>
+              <a:latin typeface="리디바탕" panose="020B0600000101010101" pitchFamily="34" charset="-127"/>
+              <a:ea typeface="리디바탕" panose="020B0600000101010101" pitchFamily="34" charset="-127"/>
+            </a:endParaRPr>
+          </a:p>
+        </p:txBody>
+      </p:sp>
+      <p:sp>
+        <p:nvSpPr>
+          <p:cNvPr id="11" name="TextBox 10"/>
+          <p:cNvSpPr txBox="1"/>
+          <p:nvPr/>
+        </p:nvSpPr>
+        <p:spPr>
+          <a:xfrm>
+            <a:off x="3530560" y="4537142"/>
+            <a:ext cx="712054" cy="307777"/>
+          </a:xfrm>
+          <a:prstGeom prst="rect">
+            <a:avLst/>
+          </a:prstGeom>
+          <a:noFill/>
+        </p:spPr>
+        <p:txBody>
+          <a:bodyPr wrap="none" rtlCol="0">
+            <a:spAutoFit/>
+          </a:bodyPr>
+          <a:lstStyle/>
+          <a:p>
+            <a:r>
+              <a:rPr lang="en-US" altLang="ko-KR" sz="1400" dirty="0" smtClean="0">
+                <a:solidFill>
+                  <a:srgbClr val="00B050"/>
+                </a:solidFill>
+                <a:latin typeface="리디바탕" panose="020B0600000101010101" pitchFamily="34" charset="-127"/>
+                <a:ea typeface="리디바탕" panose="020B0600000101010101" pitchFamily="34" charset="-127"/>
+              </a:rPr>
+              <a:t>3. </a:t>
+            </a:r>
+            <a:r>
+              <a:rPr lang="ko-KR" altLang="en-US" sz="1400" dirty="0" smtClean="0">
+                <a:solidFill>
+                  <a:srgbClr val="00B050"/>
+                </a:solidFill>
+                <a:latin typeface="리디바탕" panose="020B0600000101010101" pitchFamily="34" charset="-127"/>
+                <a:ea typeface="리디바탕" panose="020B0600000101010101" pitchFamily="34" charset="-127"/>
+              </a:rPr>
+              <a:t>결과</a:t>
+            </a:r>
+            <a:endParaRPr lang="ko-KR" altLang="en-US" sz="1400" dirty="0">
+              <a:solidFill>
+                <a:srgbClr val="00B050"/>
+              </a:solidFill>
+              <a:latin typeface="리디바탕" panose="020B0600000101010101" pitchFamily="34" charset="-127"/>
+              <a:ea typeface="리디바탕" panose="020B0600000101010101" pitchFamily="34" charset="-127"/>
+            </a:endParaRPr>
+          </a:p>
+        </p:txBody>
+      </p:sp>
+      <p:sp>
+        <p:nvSpPr>
+          <p:cNvPr id="12" name="TextBox 11"/>
+          <p:cNvSpPr txBox="1"/>
+          <p:nvPr/>
+        </p:nvSpPr>
+        <p:spPr>
+          <a:xfrm>
+            <a:off x="6619620" y="2346247"/>
+            <a:ext cx="704039" cy="307777"/>
+          </a:xfrm>
+          <a:prstGeom prst="rect">
+            <a:avLst/>
+          </a:prstGeom>
+          <a:noFill/>
+        </p:spPr>
+        <p:txBody>
+          <a:bodyPr wrap="none" rtlCol="0">
+            <a:spAutoFit/>
+          </a:bodyPr>
+          <a:lstStyle/>
+          <a:p>
+            <a:r>
+              <a:rPr lang="en-US" altLang="ko-KR" sz="1400" dirty="0" smtClean="0">
+                <a:solidFill>
+                  <a:srgbClr val="0000FF"/>
+                </a:solidFill>
+                <a:latin typeface="리디바탕" panose="020B0600000101010101" pitchFamily="34" charset="-127"/>
+                <a:ea typeface="리디바탕" panose="020B0600000101010101" pitchFamily="34" charset="-127"/>
+              </a:rPr>
+              <a:t>1. </a:t>
+            </a:r>
+            <a:r>
+              <a:rPr lang="ko-KR" altLang="en-US" sz="1400" dirty="0" smtClean="0">
+                <a:solidFill>
+                  <a:srgbClr val="0000FF"/>
+                </a:solidFill>
+                <a:latin typeface="리디바탕" panose="020B0600000101010101" pitchFamily="34" charset="-127"/>
+                <a:ea typeface="리디바탕" panose="020B0600000101010101" pitchFamily="34" charset="-127"/>
+              </a:rPr>
+              <a:t>입력</a:t>
+            </a:r>
+            <a:endParaRPr lang="ko-KR" altLang="en-US" sz="1400" dirty="0">
+              <a:solidFill>
+                <a:srgbClr val="0000FF"/>
+              </a:solidFill>
+              <a:latin typeface="리디바탕" panose="020B0600000101010101" pitchFamily="34" charset="-127"/>
+              <a:ea typeface="리디바탕" panose="020B0600000101010101" pitchFamily="34" charset="-127"/>
+            </a:endParaRPr>
+          </a:p>
+        </p:txBody>
+      </p:sp>
+      <p:sp>
+        <p:nvSpPr>
+          <p:cNvPr id="13" name="TextBox 12"/>
+          <p:cNvSpPr txBox="1"/>
+          <p:nvPr/>
+        </p:nvSpPr>
+        <p:spPr>
+          <a:xfrm>
+            <a:off x="9210934" y="2682615"/>
+            <a:ext cx="712054" cy="307777"/>
+          </a:xfrm>
+          <a:prstGeom prst="rect">
+            <a:avLst/>
+          </a:prstGeom>
+          <a:noFill/>
+        </p:spPr>
+        <p:txBody>
+          <a:bodyPr wrap="none" rtlCol="0">
+            <a:spAutoFit/>
+          </a:bodyPr>
+          <a:lstStyle/>
+          <a:p>
+            <a:r>
+              <a:rPr lang="en-US" altLang="ko-KR" sz="1400" dirty="0" smtClean="0">
+                <a:solidFill>
+                  <a:srgbClr val="FF0000"/>
+                </a:solidFill>
+                <a:latin typeface="리디바탕" panose="020B0600000101010101" pitchFamily="34" charset="-127"/>
+                <a:ea typeface="리디바탕" panose="020B0600000101010101" pitchFamily="34" charset="-127"/>
+              </a:rPr>
+              <a:t>2. </a:t>
+            </a:r>
+            <a:r>
+              <a:rPr lang="ko-KR" altLang="en-US" sz="1400" dirty="0" smtClean="0">
+                <a:solidFill>
+                  <a:srgbClr val="FF0000"/>
+                </a:solidFill>
+                <a:latin typeface="리디바탕" panose="020B0600000101010101" pitchFamily="34" charset="-127"/>
+                <a:ea typeface="리디바탕" panose="020B0600000101010101" pitchFamily="34" charset="-127"/>
+              </a:rPr>
+              <a:t>연산</a:t>
+            </a:r>
+            <a:endParaRPr lang="ko-KR" altLang="en-US" sz="1400" dirty="0">
+              <a:solidFill>
+                <a:srgbClr val="FF0000"/>
+              </a:solidFill>
+              <a:latin typeface="리디바탕" panose="020B0600000101010101" pitchFamily="34" charset="-127"/>
+              <a:ea typeface="리디바탕" panose="020B0600000101010101" pitchFamily="34" charset="-127"/>
+            </a:endParaRPr>
+          </a:p>
+        </p:txBody>
+      </p:sp>
+      <p:sp>
+        <p:nvSpPr>
+          <p:cNvPr id="14" name="TextBox 13"/>
+          <p:cNvSpPr txBox="1"/>
+          <p:nvPr/>
+        </p:nvSpPr>
+        <p:spPr>
+          <a:xfrm>
+            <a:off x="9210934" y="4832088"/>
+            <a:ext cx="712054" cy="307777"/>
+          </a:xfrm>
+          <a:prstGeom prst="rect">
+            <a:avLst/>
+          </a:prstGeom>
+          <a:noFill/>
+        </p:spPr>
+        <p:txBody>
+          <a:bodyPr wrap="none" rtlCol="0">
+            <a:spAutoFit/>
+          </a:bodyPr>
+          <a:lstStyle/>
+          <a:p>
+            <a:r>
+              <a:rPr lang="en-US" altLang="ko-KR" sz="1400" dirty="0" smtClean="0">
+                <a:solidFill>
+                  <a:srgbClr val="00B050"/>
+                </a:solidFill>
+                <a:latin typeface="리디바탕" panose="020B0600000101010101" pitchFamily="34" charset="-127"/>
+                <a:ea typeface="리디바탕" panose="020B0600000101010101" pitchFamily="34" charset="-127"/>
+              </a:rPr>
+              <a:t>3. </a:t>
+            </a:r>
+            <a:r>
+              <a:rPr lang="ko-KR" altLang="en-US" sz="1400" dirty="0" smtClean="0">
+                <a:solidFill>
+                  <a:srgbClr val="00B050"/>
+                </a:solidFill>
+                <a:latin typeface="리디바탕" panose="020B0600000101010101" pitchFamily="34" charset="-127"/>
+                <a:ea typeface="리디바탕" panose="020B0600000101010101" pitchFamily="34" charset="-127"/>
+              </a:rPr>
+              <a:t>결과</a:t>
+            </a:r>
+            <a:endParaRPr lang="ko-KR" altLang="en-US" sz="1400" dirty="0">
+              <a:solidFill>
+                <a:srgbClr val="00B050"/>
+              </a:solidFill>
+              <a:latin typeface="리디바탕" panose="020B0600000101010101" pitchFamily="34" charset="-127"/>
+              <a:ea typeface="리디바탕" panose="020B0600000101010101" pitchFamily="34" charset="-127"/>
+            </a:endParaRPr>
+          </a:p>
+        </p:txBody>
+      </p:sp>
     </p:spTree>
     <p:extLst>
       <p:ext uri="{BB962C8B-B14F-4D97-AF65-F5344CB8AC3E}">
@@ -9242,6 +9769,881 @@
     <p:extLst>
       <p:ext uri="{BB962C8B-B14F-4D97-AF65-F5344CB8AC3E}">
         <p14:creationId xmlns:p14="http://schemas.microsoft.com/office/powerpoint/2010/main" val="1336887070"/>
+      </p:ext>
+    </p:extLst>
+  </p:cSld>
+  <p:clrMapOvr>
+    <a:masterClrMapping/>
+  </p:clrMapOvr>
+  <p:timing>
+    <p:tnLst>
+      <p:par>
+        <p:cTn id="1" dur="indefinite" restart="never" nodeType="tmRoot"/>
+      </p:par>
+    </p:tnLst>
+  </p:timing>
+</p:sld>
+</file>
+
+<file path=ppt/slides/slide40.xml><?xml version="1.0" encoding="utf-8"?>
+<p:sld xmlns:a="http://schemas.openxmlformats.org/drawingml/2006/main" xmlns:r="http://schemas.openxmlformats.org/officeDocument/2006/relationships" xmlns:p="http://schemas.openxmlformats.org/presentationml/2006/main">
+  <p:cSld>
+    <p:spTree>
+      <p:nvGrpSpPr>
+        <p:cNvPr id="1" name=""/>
+        <p:cNvGrpSpPr/>
+        <p:nvPr/>
+      </p:nvGrpSpPr>
+      <p:grpSpPr>
+        <a:xfrm>
+          <a:off x="0" y="0"/>
+          <a:ext cx="0" cy="0"/>
+          <a:chOff x="0" y="0"/>
+          <a:chExt cx="0" cy="0"/>
+        </a:xfrm>
+      </p:grpSpPr>
+      <p:sp>
+        <p:nvSpPr>
+          <p:cNvPr id="4" name="TextBox 3"/>
+          <p:cNvSpPr txBox="1"/>
+          <p:nvPr/>
+        </p:nvSpPr>
+        <p:spPr>
+          <a:xfrm>
+            <a:off x="2619634" y="394110"/>
+            <a:ext cx="1285102" cy="400110"/>
+          </a:xfrm>
+          <a:prstGeom prst="rect">
+            <a:avLst/>
+          </a:prstGeom>
+          <a:noFill/>
+        </p:spPr>
+        <p:txBody>
+          <a:bodyPr wrap="square" rtlCol="0">
+            <a:spAutoFit/>
+          </a:bodyPr>
+          <a:lstStyle/>
+          <a:p>
+            <a:r>
+              <a:rPr lang="en-US" altLang="ko-KR" sz="2000" dirty="0" smtClean="0">
+                <a:latin typeface="리디바탕" panose="020B0600000101010101" pitchFamily="34" charset="-127"/>
+                <a:ea typeface="리디바탕" panose="020B0600000101010101" pitchFamily="34" charset="-127"/>
+              </a:rPr>
+              <a:t>Excel</a:t>
+            </a:r>
+            <a:endParaRPr lang="ko-KR" altLang="en-US" sz="2000" dirty="0">
+              <a:latin typeface="리디바탕" panose="020B0600000101010101" pitchFamily="34" charset="-127"/>
+              <a:ea typeface="리디바탕" panose="020B0600000101010101" pitchFamily="34" charset="-127"/>
+            </a:endParaRPr>
+          </a:p>
+        </p:txBody>
+      </p:sp>
+      <p:sp>
+        <p:nvSpPr>
+          <p:cNvPr id="5" name="TextBox 4"/>
+          <p:cNvSpPr txBox="1"/>
+          <p:nvPr/>
+        </p:nvSpPr>
+        <p:spPr>
+          <a:xfrm>
+            <a:off x="8171935" y="394110"/>
+            <a:ext cx="1285102" cy="400110"/>
+          </a:xfrm>
+          <a:prstGeom prst="rect">
+            <a:avLst/>
+          </a:prstGeom>
+          <a:noFill/>
+        </p:spPr>
+        <p:txBody>
+          <a:bodyPr wrap="square" rtlCol="0">
+            <a:spAutoFit/>
+          </a:bodyPr>
+          <a:lstStyle/>
+          <a:p>
+            <a:r>
+              <a:rPr lang="en-US" altLang="ko-KR" sz="2000" dirty="0" smtClean="0">
+                <a:latin typeface="리디바탕" panose="020B0600000101010101" pitchFamily="34" charset="-127"/>
+                <a:ea typeface="리디바탕" panose="020B0600000101010101" pitchFamily="34" charset="-127"/>
+              </a:rPr>
+              <a:t>Dynamo</a:t>
+            </a:r>
+            <a:endParaRPr lang="ko-KR" altLang="en-US" sz="2000" dirty="0">
+              <a:latin typeface="리디바탕" panose="020B0600000101010101" pitchFamily="34" charset="-127"/>
+              <a:ea typeface="리디바탕" panose="020B0600000101010101" pitchFamily="34" charset="-127"/>
+            </a:endParaRPr>
+          </a:p>
+        </p:txBody>
+      </p:sp>
+      <p:pic>
+        <p:nvPicPr>
+          <p:cNvPr id="6" name="그림 5"/>
+          <p:cNvPicPr>
+            <a:picLocks noChangeAspect="1"/>
+          </p:cNvPicPr>
+          <p:nvPr/>
+        </p:nvPicPr>
+        <p:blipFill>
+          <a:blip r:embed="rId2"/>
+          <a:stretch>
+            <a:fillRect/>
+          </a:stretch>
+        </p:blipFill>
+        <p:spPr>
+          <a:xfrm>
+            <a:off x="1157033" y="1857155"/>
+            <a:ext cx="3981185" cy="3448270"/>
+          </a:xfrm>
+          <a:prstGeom prst="rect">
+            <a:avLst/>
+          </a:prstGeom>
+        </p:spPr>
+      </p:pic>
+      <p:pic>
+        <p:nvPicPr>
+          <p:cNvPr id="7" name="그림 6"/>
+          <p:cNvPicPr>
+            <a:picLocks noChangeAspect="1"/>
+          </p:cNvPicPr>
+          <p:nvPr/>
+        </p:nvPicPr>
+        <p:blipFill>
+          <a:blip r:embed="rId3"/>
+          <a:stretch>
+            <a:fillRect/>
+          </a:stretch>
+        </p:blipFill>
+        <p:spPr>
+          <a:xfrm>
+            <a:off x="5853359" y="1685925"/>
+            <a:ext cx="5506474" cy="3905250"/>
+          </a:xfrm>
+          <a:prstGeom prst="rect">
+            <a:avLst/>
+          </a:prstGeom>
+        </p:spPr>
+      </p:pic>
+      <p:sp>
+        <p:nvSpPr>
+          <p:cNvPr id="8" name="TextBox 7"/>
+          <p:cNvSpPr txBox="1"/>
+          <p:nvPr/>
+        </p:nvSpPr>
+        <p:spPr>
+          <a:xfrm>
+            <a:off x="5391409" y="965346"/>
+            <a:ext cx="1285102" cy="369332"/>
+          </a:xfrm>
+          <a:prstGeom prst="rect">
+            <a:avLst/>
+          </a:prstGeom>
+          <a:noFill/>
+        </p:spPr>
+        <p:txBody>
+          <a:bodyPr wrap="square" rtlCol="0">
+            <a:spAutoFit/>
+          </a:bodyPr>
+          <a:lstStyle/>
+          <a:p>
+            <a:r>
+              <a:rPr lang="en-US" altLang="ko-KR" dirty="0" smtClean="0">
+                <a:latin typeface="리디바탕" panose="020B0600000101010101" pitchFamily="34" charset="-127"/>
+                <a:ea typeface="리디바탕" panose="020B0600000101010101" pitchFamily="34" charset="-127"/>
+              </a:rPr>
+              <a:t>&lt; sum &gt;</a:t>
+            </a:r>
+            <a:endParaRPr lang="ko-KR" altLang="en-US" dirty="0">
+              <a:latin typeface="리디바탕" panose="020B0600000101010101" pitchFamily="34" charset="-127"/>
+              <a:ea typeface="리디바탕" panose="020B0600000101010101" pitchFamily="34" charset="-127"/>
+            </a:endParaRPr>
+          </a:p>
+        </p:txBody>
+      </p:sp>
+    </p:spTree>
+    <p:extLst>
+      <p:ext uri="{BB962C8B-B14F-4D97-AF65-F5344CB8AC3E}">
+        <p14:creationId xmlns:p14="http://schemas.microsoft.com/office/powerpoint/2010/main" val="1392598785"/>
+      </p:ext>
+    </p:extLst>
+  </p:cSld>
+  <p:clrMapOvr>
+    <a:masterClrMapping/>
+  </p:clrMapOvr>
+</p:sld>
+</file>
+
+<file path=ppt/slides/slide41.xml><?xml version="1.0" encoding="utf-8"?>
+<p:sld xmlns:a="http://schemas.openxmlformats.org/drawingml/2006/main" xmlns:r="http://schemas.openxmlformats.org/officeDocument/2006/relationships" xmlns:p="http://schemas.openxmlformats.org/presentationml/2006/main">
+  <p:cSld>
+    <p:spTree>
+      <p:nvGrpSpPr>
+        <p:cNvPr id="1" name=""/>
+        <p:cNvGrpSpPr/>
+        <p:nvPr/>
+      </p:nvGrpSpPr>
+      <p:grpSpPr>
+        <a:xfrm>
+          <a:off x="0" y="0"/>
+          <a:ext cx="0" cy="0"/>
+          <a:chOff x="0" y="0"/>
+          <a:chExt cx="0" cy="0"/>
+        </a:xfrm>
+      </p:grpSpPr>
+      <p:sp>
+        <p:nvSpPr>
+          <p:cNvPr id="4" name="TextBox 3"/>
+          <p:cNvSpPr txBox="1"/>
+          <p:nvPr/>
+        </p:nvSpPr>
+        <p:spPr>
+          <a:xfrm>
+            <a:off x="2619634" y="394110"/>
+            <a:ext cx="1285102" cy="400110"/>
+          </a:xfrm>
+          <a:prstGeom prst="rect">
+            <a:avLst/>
+          </a:prstGeom>
+          <a:noFill/>
+        </p:spPr>
+        <p:txBody>
+          <a:bodyPr wrap="square" rtlCol="0">
+            <a:spAutoFit/>
+          </a:bodyPr>
+          <a:lstStyle/>
+          <a:p>
+            <a:r>
+              <a:rPr lang="en-US" altLang="ko-KR" sz="2000" dirty="0" smtClean="0">
+                <a:latin typeface="리디바탕" panose="020B0600000101010101" pitchFamily="34" charset="-127"/>
+                <a:ea typeface="리디바탕" panose="020B0600000101010101" pitchFamily="34" charset="-127"/>
+              </a:rPr>
+              <a:t>Excel</a:t>
+            </a:r>
+            <a:endParaRPr lang="ko-KR" altLang="en-US" sz="2000" dirty="0">
+              <a:latin typeface="리디바탕" panose="020B0600000101010101" pitchFamily="34" charset="-127"/>
+              <a:ea typeface="리디바탕" panose="020B0600000101010101" pitchFamily="34" charset="-127"/>
+            </a:endParaRPr>
+          </a:p>
+        </p:txBody>
+      </p:sp>
+      <p:sp>
+        <p:nvSpPr>
+          <p:cNvPr id="5" name="TextBox 4"/>
+          <p:cNvSpPr txBox="1"/>
+          <p:nvPr/>
+        </p:nvSpPr>
+        <p:spPr>
+          <a:xfrm>
+            <a:off x="8171935" y="394110"/>
+            <a:ext cx="1285102" cy="400110"/>
+          </a:xfrm>
+          <a:prstGeom prst="rect">
+            <a:avLst/>
+          </a:prstGeom>
+          <a:noFill/>
+        </p:spPr>
+        <p:txBody>
+          <a:bodyPr wrap="square" rtlCol="0">
+            <a:spAutoFit/>
+          </a:bodyPr>
+          <a:lstStyle/>
+          <a:p>
+            <a:r>
+              <a:rPr lang="en-US" altLang="ko-KR" sz="2000" dirty="0" smtClean="0">
+                <a:latin typeface="리디바탕" panose="020B0600000101010101" pitchFamily="34" charset="-127"/>
+                <a:ea typeface="리디바탕" panose="020B0600000101010101" pitchFamily="34" charset="-127"/>
+              </a:rPr>
+              <a:t>Dynamo</a:t>
+            </a:r>
+            <a:endParaRPr lang="ko-KR" altLang="en-US" sz="2000" dirty="0">
+              <a:latin typeface="리디바탕" panose="020B0600000101010101" pitchFamily="34" charset="-127"/>
+              <a:ea typeface="리디바탕" panose="020B0600000101010101" pitchFamily="34" charset="-127"/>
+            </a:endParaRPr>
+          </a:p>
+        </p:txBody>
+      </p:sp>
+      <p:pic>
+        <p:nvPicPr>
+          <p:cNvPr id="2" name="그림 1"/>
+          <p:cNvPicPr>
+            <a:picLocks noChangeAspect="1"/>
+          </p:cNvPicPr>
+          <p:nvPr/>
+        </p:nvPicPr>
+        <p:blipFill>
+          <a:blip r:embed="rId2"/>
+          <a:stretch>
+            <a:fillRect/>
+          </a:stretch>
+        </p:blipFill>
+        <p:spPr>
+          <a:xfrm>
+            <a:off x="1023643" y="2019067"/>
+            <a:ext cx="4220164" cy="3334215"/>
+          </a:xfrm>
+          <a:prstGeom prst="rect">
+            <a:avLst/>
+          </a:prstGeom>
+        </p:spPr>
+      </p:pic>
+      <p:sp>
+        <p:nvSpPr>
+          <p:cNvPr id="6" name="TextBox 5"/>
+          <p:cNvSpPr txBox="1"/>
+          <p:nvPr/>
+        </p:nvSpPr>
+        <p:spPr>
+          <a:xfrm>
+            <a:off x="5133974" y="965346"/>
+            <a:ext cx="1800225" cy="369332"/>
+          </a:xfrm>
+          <a:prstGeom prst="rect">
+            <a:avLst/>
+          </a:prstGeom>
+          <a:noFill/>
+        </p:spPr>
+        <p:txBody>
+          <a:bodyPr wrap="square" rtlCol="0">
+            <a:spAutoFit/>
+          </a:bodyPr>
+          <a:lstStyle/>
+          <a:p>
+            <a:r>
+              <a:rPr lang="en-US" altLang="ko-KR" dirty="0" smtClean="0">
+                <a:latin typeface="리디바탕" panose="020B0600000101010101" pitchFamily="34" charset="-127"/>
+                <a:ea typeface="리디바탕" panose="020B0600000101010101" pitchFamily="34" charset="-127"/>
+              </a:rPr>
+              <a:t>&lt; factoring &gt;</a:t>
+            </a:r>
+            <a:endParaRPr lang="ko-KR" altLang="en-US" dirty="0">
+              <a:latin typeface="리디바탕" panose="020B0600000101010101" pitchFamily="34" charset="-127"/>
+              <a:ea typeface="리디바탕" panose="020B0600000101010101" pitchFamily="34" charset="-127"/>
+            </a:endParaRPr>
+          </a:p>
+        </p:txBody>
+      </p:sp>
+      <p:pic>
+        <p:nvPicPr>
+          <p:cNvPr id="3" name="그림 2"/>
+          <p:cNvPicPr>
+            <a:picLocks noChangeAspect="1"/>
+          </p:cNvPicPr>
+          <p:nvPr/>
+        </p:nvPicPr>
+        <p:blipFill>
+          <a:blip r:embed="rId3"/>
+          <a:stretch>
+            <a:fillRect/>
+          </a:stretch>
+        </p:blipFill>
+        <p:spPr>
+          <a:xfrm>
+            <a:off x="6432449" y="1381125"/>
+            <a:ext cx="4764074" cy="4743450"/>
+          </a:xfrm>
+          <a:prstGeom prst="rect">
+            <a:avLst/>
+          </a:prstGeom>
+        </p:spPr>
+      </p:pic>
+    </p:spTree>
+    <p:extLst>
+      <p:ext uri="{BB962C8B-B14F-4D97-AF65-F5344CB8AC3E}">
+        <p14:creationId xmlns:p14="http://schemas.microsoft.com/office/powerpoint/2010/main" val="3466333290"/>
+      </p:ext>
+    </p:extLst>
+  </p:cSld>
+  <p:clrMapOvr>
+    <a:masterClrMapping/>
+  </p:clrMapOvr>
+  <p:timing>
+    <p:tnLst>
+      <p:par>
+        <p:cTn id="1" dur="indefinite" restart="never" nodeType="tmRoot"/>
+      </p:par>
+    </p:tnLst>
+  </p:timing>
+</p:sld>
+</file>
+
+<file path=ppt/slides/slide42.xml><?xml version="1.0" encoding="utf-8"?>
+<p:sld xmlns:a="http://schemas.openxmlformats.org/drawingml/2006/main" xmlns:r="http://schemas.openxmlformats.org/officeDocument/2006/relationships" xmlns:p="http://schemas.openxmlformats.org/presentationml/2006/main">
+  <p:cSld>
+    <p:spTree>
+      <p:nvGrpSpPr>
+        <p:cNvPr id="1" name=""/>
+        <p:cNvGrpSpPr/>
+        <p:nvPr/>
+      </p:nvGrpSpPr>
+      <p:grpSpPr>
+        <a:xfrm>
+          <a:off x="0" y="0"/>
+          <a:ext cx="0" cy="0"/>
+          <a:chOff x="0" y="0"/>
+          <a:chExt cx="0" cy="0"/>
+        </a:xfrm>
+      </p:grpSpPr>
+      <p:sp>
+        <p:nvSpPr>
+          <p:cNvPr id="4" name="TextBox 3"/>
+          <p:cNvSpPr txBox="1"/>
+          <p:nvPr/>
+        </p:nvSpPr>
+        <p:spPr>
+          <a:xfrm>
+            <a:off x="2619634" y="394110"/>
+            <a:ext cx="1285102" cy="400110"/>
+          </a:xfrm>
+          <a:prstGeom prst="rect">
+            <a:avLst/>
+          </a:prstGeom>
+          <a:noFill/>
+        </p:spPr>
+        <p:txBody>
+          <a:bodyPr wrap="square" rtlCol="0">
+            <a:spAutoFit/>
+          </a:bodyPr>
+          <a:lstStyle/>
+          <a:p>
+            <a:r>
+              <a:rPr lang="en-US" altLang="ko-KR" sz="2000" dirty="0" smtClean="0">
+                <a:latin typeface="리디바탕" panose="020B0600000101010101" pitchFamily="34" charset="-127"/>
+                <a:ea typeface="리디바탕" panose="020B0600000101010101" pitchFamily="34" charset="-127"/>
+              </a:rPr>
+              <a:t>Excel</a:t>
+            </a:r>
+            <a:endParaRPr lang="ko-KR" altLang="en-US" sz="2000" dirty="0">
+              <a:latin typeface="리디바탕" panose="020B0600000101010101" pitchFamily="34" charset="-127"/>
+              <a:ea typeface="리디바탕" panose="020B0600000101010101" pitchFamily="34" charset="-127"/>
+            </a:endParaRPr>
+          </a:p>
+        </p:txBody>
+      </p:sp>
+      <p:sp>
+        <p:nvSpPr>
+          <p:cNvPr id="5" name="TextBox 4"/>
+          <p:cNvSpPr txBox="1"/>
+          <p:nvPr/>
+        </p:nvSpPr>
+        <p:spPr>
+          <a:xfrm>
+            <a:off x="8171935" y="394110"/>
+            <a:ext cx="1285102" cy="400110"/>
+          </a:xfrm>
+          <a:prstGeom prst="rect">
+            <a:avLst/>
+          </a:prstGeom>
+          <a:noFill/>
+        </p:spPr>
+        <p:txBody>
+          <a:bodyPr wrap="square" rtlCol="0">
+            <a:spAutoFit/>
+          </a:bodyPr>
+          <a:lstStyle/>
+          <a:p>
+            <a:r>
+              <a:rPr lang="en-US" altLang="ko-KR" sz="2000" dirty="0" smtClean="0">
+                <a:latin typeface="리디바탕" panose="020B0600000101010101" pitchFamily="34" charset="-127"/>
+                <a:ea typeface="리디바탕" panose="020B0600000101010101" pitchFamily="34" charset="-127"/>
+              </a:rPr>
+              <a:t>Dynamo</a:t>
+            </a:r>
+            <a:endParaRPr lang="ko-KR" altLang="en-US" sz="2000" dirty="0">
+              <a:latin typeface="리디바탕" panose="020B0600000101010101" pitchFamily="34" charset="-127"/>
+              <a:ea typeface="리디바탕" panose="020B0600000101010101" pitchFamily="34" charset="-127"/>
+            </a:endParaRPr>
+          </a:p>
+        </p:txBody>
+      </p:sp>
+      <p:pic>
+        <p:nvPicPr>
+          <p:cNvPr id="2" name="그림 1"/>
+          <p:cNvPicPr>
+            <a:picLocks noChangeAspect="1"/>
+          </p:cNvPicPr>
+          <p:nvPr/>
+        </p:nvPicPr>
+        <p:blipFill rotWithShape="1">
+          <a:blip r:embed="rId2"/>
+          <a:srcRect b="10612"/>
+          <a:stretch/>
+        </p:blipFill>
+        <p:spPr>
+          <a:xfrm>
+            <a:off x="1253382" y="928446"/>
+            <a:ext cx="3208236" cy="2576754"/>
+          </a:xfrm>
+          <a:prstGeom prst="rect">
+            <a:avLst/>
+          </a:prstGeom>
+        </p:spPr>
+      </p:pic>
+    </p:spTree>
+    <p:extLst>
+      <p:ext uri="{BB962C8B-B14F-4D97-AF65-F5344CB8AC3E}">
+        <p14:creationId xmlns:p14="http://schemas.microsoft.com/office/powerpoint/2010/main" val="115656891"/>
+      </p:ext>
+    </p:extLst>
+  </p:cSld>
+  <p:clrMapOvr>
+    <a:masterClrMapping/>
+  </p:clrMapOvr>
+  <p:timing>
+    <p:tnLst>
+      <p:par>
+        <p:cTn id="1" dur="indefinite" restart="never" nodeType="tmRoot"/>
+      </p:par>
+    </p:tnLst>
+  </p:timing>
+</p:sld>
+</file>
+
+<file path=ppt/slides/slide43.xml><?xml version="1.0" encoding="utf-8"?>
+<p:sld xmlns:a="http://schemas.openxmlformats.org/drawingml/2006/main" xmlns:r="http://schemas.openxmlformats.org/officeDocument/2006/relationships" xmlns:p="http://schemas.openxmlformats.org/presentationml/2006/main">
+  <p:cSld>
+    <p:spTree>
+      <p:nvGrpSpPr>
+        <p:cNvPr id="1" name=""/>
+        <p:cNvGrpSpPr/>
+        <p:nvPr/>
+      </p:nvGrpSpPr>
+      <p:grpSpPr>
+        <a:xfrm>
+          <a:off x="0" y="0"/>
+          <a:ext cx="0" cy="0"/>
+          <a:chOff x="0" y="0"/>
+          <a:chExt cx="0" cy="0"/>
+        </a:xfrm>
+      </p:grpSpPr>
+      <p:sp>
+        <p:nvSpPr>
+          <p:cNvPr id="4" name="TextBox 3"/>
+          <p:cNvSpPr txBox="1"/>
+          <p:nvPr/>
+        </p:nvSpPr>
+        <p:spPr>
+          <a:xfrm>
+            <a:off x="2619634" y="394110"/>
+            <a:ext cx="1285102" cy="400110"/>
+          </a:xfrm>
+          <a:prstGeom prst="rect">
+            <a:avLst/>
+          </a:prstGeom>
+          <a:noFill/>
+        </p:spPr>
+        <p:txBody>
+          <a:bodyPr wrap="square" rtlCol="0">
+            <a:spAutoFit/>
+          </a:bodyPr>
+          <a:lstStyle/>
+          <a:p>
+            <a:r>
+              <a:rPr lang="en-US" altLang="ko-KR" sz="2000" dirty="0" smtClean="0">
+                <a:latin typeface="리디바탕" panose="020B0600000101010101" pitchFamily="34" charset="-127"/>
+                <a:ea typeface="리디바탕" panose="020B0600000101010101" pitchFamily="34" charset="-127"/>
+              </a:rPr>
+              <a:t>Excel</a:t>
+            </a:r>
+            <a:endParaRPr lang="ko-KR" altLang="en-US" sz="2000" dirty="0">
+              <a:latin typeface="리디바탕" panose="020B0600000101010101" pitchFamily="34" charset="-127"/>
+              <a:ea typeface="리디바탕" panose="020B0600000101010101" pitchFamily="34" charset="-127"/>
+            </a:endParaRPr>
+          </a:p>
+        </p:txBody>
+      </p:sp>
+      <p:sp>
+        <p:nvSpPr>
+          <p:cNvPr id="5" name="TextBox 4"/>
+          <p:cNvSpPr txBox="1"/>
+          <p:nvPr/>
+        </p:nvSpPr>
+        <p:spPr>
+          <a:xfrm>
+            <a:off x="8171935" y="394110"/>
+            <a:ext cx="1285102" cy="400110"/>
+          </a:xfrm>
+          <a:prstGeom prst="rect">
+            <a:avLst/>
+          </a:prstGeom>
+          <a:noFill/>
+        </p:spPr>
+        <p:txBody>
+          <a:bodyPr wrap="square" rtlCol="0">
+            <a:spAutoFit/>
+          </a:bodyPr>
+          <a:lstStyle/>
+          <a:p>
+            <a:r>
+              <a:rPr lang="en-US" altLang="ko-KR" sz="2000" dirty="0" smtClean="0">
+                <a:latin typeface="리디바탕" panose="020B0600000101010101" pitchFamily="34" charset="-127"/>
+                <a:ea typeface="리디바탕" panose="020B0600000101010101" pitchFamily="34" charset="-127"/>
+              </a:rPr>
+              <a:t>Dynamo</a:t>
+            </a:r>
+            <a:endParaRPr lang="ko-KR" altLang="en-US" sz="2000" dirty="0">
+              <a:latin typeface="리디바탕" panose="020B0600000101010101" pitchFamily="34" charset="-127"/>
+              <a:ea typeface="리디바탕" panose="020B0600000101010101" pitchFamily="34" charset="-127"/>
+            </a:endParaRPr>
+          </a:p>
+        </p:txBody>
+      </p:sp>
+    </p:spTree>
+    <p:extLst>
+      <p:ext uri="{BB962C8B-B14F-4D97-AF65-F5344CB8AC3E}">
+        <p14:creationId xmlns:p14="http://schemas.microsoft.com/office/powerpoint/2010/main" val="3560717038"/>
+      </p:ext>
+    </p:extLst>
+  </p:cSld>
+  <p:clrMapOvr>
+    <a:masterClrMapping/>
+  </p:clrMapOvr>
+  <p:timing>
+    <p:tnLst>
+      <p:par>
+        <p:cTn id="1" dur="indefinite" restart="never" nodeType="tmRoot"/>
+      </p:par>
+    </p:tnLst>
+  </p:timing>
+</p:sld>
+</file>
+
+<file path=ppt/slides/slide44.xml><?xml version="1.0" encoding="utf-8"?>
+<p:sld xmlns:a="http://schemas.openxmlformats.org/drawingml/2006/main" xmlns:r="http://schemas.openxmlformats.org/officeDocument/2006/relationships" xmlns:p="http://schemas.openxmlformats.org/presentationml/2006/main">
+  <p:cSld>
+    <p:spTree>
+      <p:nvGrpSpPr>
+        <p:cNvPr id="1" name=""/>
+        <p:cNvGrpSpPr/>
+        <p:nvPr/>
+      </p:nvGrpSpPr>
+      <p:grpSpPr>
+        <a:xfrm>
+          <a:off x="0" y="0"/>
+          <a:ext cx="0" cy="0"/>
+          <a:chOff x="0" y="0"/>
+          <a:chExt cx="0" cy="0"/>
+        </a:xfrm>
+      </p:grpSpPr>
+      <p:sp>
+        <p:nvSpPr>
+          <p:cNvPr id="4" name="TextBox 3"/>
+          <p:cNvSpPr txBox="1"/>
+          <p:nvPr/>
+        </p:nvSpPr>
+        <p:spPr>
+          <a:xfrm>
+            <a:off x="2619634" y="394110"/>
+            <a:ext cx="1285102" cy="400110"/>
+          </a:xfrm>
+          <a:prstGeom prst="rect">
+            <a:avLst/>
+          </a:prstGeom>
+          <a:noFill/>
+        </p:spPr>
+        <p:txBody>
+          <a:bodyPr wrap="square" rtlCol="0">
+            <a:spAutoFit/>
+          </a:bodyPr>
+          <a:lstStyle/>
+          <a:p>
+            <a:r>
+              <a:rPr lang="en-US" altLang="ko-KR" sz="2000" dirty="0" smtClean="0">
+                <a:latin typeface="리디바탕" panose="020B0600000101010101" pitchFamily="34" charset="-127"/>
+                <a:ea typeface="리디바탕" panose="020B0600000101010101" pitchFamily="34" charset="-127"/>
+              </a:rPr>
+              <a:t>Excel</a:t>
+            </a:r>
+            <a:endParaRPr lang="ko-KR" altLang="en-US" sz="2000" dirty="0">
+              <a:latin typeface="리디바탕" panose="020B0600000101010101" pitchFamily="34" charset="-127"/>
+              <a:ea typeface="리디바탕" panose="020B0600000101010101" pitchFamily="34" charset="-127"/>
+            </a:endParaRPr>
+          </a:p>
+        </p:txBody>
+      </p:sp>
+      <p:sp>
+        <p:nvSpPr>
+          <p:cNvPr id="5" name="TextBox 4"/>
+          <p:cNvSpPr txBox="1"/>
+          <p:nvPr/>
+        </p:nvSpPr>
+        <p:spPr>
+          <a:xfrm>
+            <a:off x="8171935" y="394110"/>
+            <a:ext cx="1285102" cy="400110"/>
+          </a:xfrm>
+          <a:prstGeom prst="rect">
+            <a:avLst/>
+          </a:prstGeom>
+          <a:noFill/>
+        </p:spPr>
+        <p:txBody>
+          <a:bodyPr wrap="square" rtlCol="0">
+            <a:spAutoFit/>
+          </a:bodyPr>
+          <a:lstStyle/>
+          <a:p>
+            <a:r>
+              <a:rPr lang="en-US" altLang="ko-KR" sz="2000" dirty="0" smtClean="0">
+                <a:latin typeface="리디바탕" panose="020B0600000101010101" pitchFamily="34" charset="-127"/>
+                <a:ea typeface="리디바탕" panose="020B0600000101010101" pitchFamily="34" charset="-127"/>
+              </a:rPr>
+              <a:t>Dynamo</a:t>
+            </a:r>
+            <a:endParaRPr lang="ko-KR" altLang="en-US" sz="2000" dirty="0">
+              <a:latin typeface="리디바탕" panose="020B0600000101010101" pitchFamily="34" charset="-127"/>
+              <a:ea typeface="리디바탕" panose="020B0600000101010101" pitchFamily="34" charset="-127"/>
+            </a:endParaRPr>
+          </a:p>
+        </p:txBody>
+      </p:sp>
+    </p:spTree>
+    <p:extLst>
+      <p:ext uri="{BB962C8B-B14F-4D97-AF65-F5344CB8AC3E}">
+        <p14:creationId xmlns:p14="http://schemas.microsoft.com/office/powerpoint/2010/main" val="1290981624"/>
+      </p:ext>
+    </p:extLst>
+  </p:cSld>
+  <p:clrMapOvr>
+    <a:masterClrMapping/>
+  </p:clrMapOvr>
+  <p:timing>
+    <p:tnLst>
+      <p:par>
+        <p:cTn id="1" dur="indefinite" restart="never" nodeType="tmRoot"/>
+      </p:par>
+    </p:tnLst>
+  </p:timing>
+</p:sld>
+</file>
+
+<file path=ppt/slides/slide45.xml><?xml version="1.0" encoding="utf-8"?>
+<p:sld xmlns:a="http://schemas.openxmlformats.org/drawingml/2006/main" xmlns:r="http://schemas.openxmlformats.org/officeDocument/2006/relationships" xmlns:p="http://schemas.openxmlformats.org/presentationml/2006/main">
+  <p:cSld>
+    <p:spTree>
+      <p:nvGrpSpPr>
+        <p:cNvPr id="1" name=""/>
+        <p:cNvGrpSpPr/>
+        <p:nvPr/>
+      </p:nvGrpSpPr>
+      <p:grpSpPr>
+        <a:xfrm>
+          <a:off x="0" y="0"/>
+          <a:ext cx="0" cy="0"/>
+          <a:chOff x="0" y="0"/>
+          <a:chExt cx="0" cy="0"/>
+        </a:xfrm>
+      </p:grpSpPr>
+      <p:sp>
+        <p:nvSpPr>
+          <p:cNvPr id="4" name="TextBox 3"/>
+          <p:cNvSpPr txBox="1"/>
+          <p:nvPr/>
+        </p:nvSpPr>
+        <p:spPr>
+          <a:xfrm>
+            <a:off x="2619634" y="394110"/>
+            <a:ext cx="1285102" cy="400110"/>
+          </a:xfrm>
+          <a:prstGeom prst="rect">
+            <a:avLst/>
+          </a:prstGeom>
+          <a:noFill/>
+        </p:spPr>
+        <p:txBody>
+          <a:bodyPr wrap="square" rtlCol="0">
+            <a:spAutoFit/>
+          </a:bodyPr>
+          <a:lstStyle/>
+          <a:p>
+            <a:r>
+              <a:rPr lang="en-US" altLang="ko-KR" sz="2000" dirty="0" smtClean="0">
+                <a:latin typeface="리디바탕" panose="020B0600000101010101" pitchFamily="34" charset="-127"/>
+                <a:ea typeface="리디바탕" panose="020B0600000101010101" pitchFamily="34" charset="-127"/>
+              </a:rPr>
+              <a:t>Excel</a:t>
+            </a:r>
+            <a:endParaRPr lang="ko-KR" altLang="en-US" sz="2000" dirty="0">
+              <a:latin typeface="리디바탕" panose="020B0600000101010101" pitchFamily="34" charset="-127"/>
+              <a:ea typeface="리디바탕" panose="020B0600000101010101" pitchFamily="34" charset="-127"/>
+            </a:endParaRPr>
+          </a:p>
+        </p:txBody>
+      </p:sp>
+      <p:sp>
+        <p:nvSpPr>
+          <p:cNvPr id="5" name="TextBox 4"/>
+          <p:cNvSpPr txBox="1"/>
+          <p:nvPr/>
+        </p:nvSpPr>
+        <p:spPr>
+          <a:xfrm>
+            <a:off x="8171935" y="394110"/>
+            <a:ext cx="1285102" cy="400110"/>
+          </a:xfrm>
+          <a:prstGeom prst="rect">
+            <a:avLst/>
+          </a:prstGeom>
+          <a:noFill/>
+        </p:spPr>
+        <p:txBody>
+          <a:bodyPr wrap="square" rtlCol="0">
+            <a:spAutoFit/>
+          </a:bodyPr>
+          <a:lstStyle/>
+          <a:p>
+            <a:r>
+              <a:rPr lang="en-US" altLang="ko-KR" sz="2000" dirty="0" smtClean="0">
+                <a:latin typeface="리디바탕" panose="020B0600000101010101" pitchFamily="34" charset="-127"/>
+                <a:ea typeface="리디바탕" panose="020B0600000101010101" pitchFamily="34" charset="-127"/>
+              </a:rPr>
+              <a:t>Dynamo</a:t>
+            </a:r>
+            <a:endParaRPr lang="ko-KR" altLang="en-US" sz="2000" dirty="0">
+              <a:latin typeface="리디바탕" panose="020B0600000101010101" pitchFamily="34" charset="-127"/>
+              <a:ea typeface="리디바탕" panose="020B0600000101010101" pitchFamily="34" charset="-127"/>
+            </a:endParaRPr>
+          </a:p>
+        </p:txBody>
+      </p:sp>
+    </p:spTree>
+    <p:extLst>
+      <p:ext uri="{BB962C8B-B14F-4D97-AF65-F5344CB8AC3E}">
+        <p14:creationId xmlns:p14="http://schemas.microsoft.com/office/powerpoint/2010/main" val="851661577"/>
+      </p:ext>
+    </p:extLst>
+  </p:cSld>
+  <p:clrMapOvr>
+    <a:masterClrMapping/>
+  </p:clrMapOvr>
+  <p:timing>
+    <p:tnLst>
+      <p:par>
+        <p:cTn id="1" dur="indefinite" restart="never" nodeType="tmRoot"/>
+      </p:par>
+    </p:tnLst>
+  </p:timing>
+</p:sld>
+</file>
+
+<file path=ppt/slides/slide46.xml><?xml version="1.0" encoding="utf-8"?>
+<p:sld xmlns:a="http://schemas.openxmlformats.org/drawingml/2006/main" xmlns:r="http://schemas.openxmlformats.org/officeDocument/2006/relationships" xmlns:p="http://schemas.openxmlformats.org/presentationml/2006/main">
+  <p:cSld>
+    <p:spTree>
+      <p:nvGrpSpPr>
+        <p:cNvPr id="1" name=""/>
+        <p:cNvGrpSpPr/>
+        <p:nvPr/>
+      </p:nvGrpSpPr>
+      <p:grpSpPr>
+        <a:xfrm>
+          <a:off x="0" y="0"/>
+          <a:ext cx="0" cy="0"/>
+          <a:chOff x="0" y="0"/>
+          <a:chExt cx="0" cy="0"/>
+        </a:xfrm>
+      </p:grpSpPr>
+    </p:spTree>
+    <p:extLst>
+      <p:ext uri="{BB962C8B-B14F-4D97-AF65-F5344CB8AC3E}">
+        <p14:creationId xmlns:p14="http://schemas.microsoft.com/office/powerpoint/2010/main" val="891190108"/>
       </p:ext>
     </p:extLst>
   </p:cSld>
